--- a/plan/영화-회원(미완성).pptx
+++ b/plan/영화-회원(미완성).pptx
@@ -207,7 +207,7 @@
           <a:p>
             <a:fld id="{705CCD13-56C0-4BCF-A421-9450B1F2FFB1}" type="datetimeFigureOut">
               <a:rPr lang="ko-KR" altLang="en-US" smtClean="0"/>
-              <a:t>2019-01-08</a:t>
+              <a:t>2019-01-11</a:t>
             </a:fld>
             <a:endParaRPr lang="ko-KR" altLang="en-US"/>
           </a:p>
@@ -372,7 +372,7 @@
           <a:p>
             <a:fld id="{D69674A3-E2D6-4EBB-AD06-D0C407E340D3}" type="datetimeFigureOut">
               <a:rPr lang="ko-KR" altLang="en-US" smtClean="0"/>
-              <a:t>2019-01-08</a:t>
+              <a:t>2019-01-11</a:t>
             </a:fld>
             <a:endParaRPr lang="ko-KR" altLang="en-US"/>
           </a:p>
@@ -1001,7 +1001,7 @@
           <a:p>
             <a:fld id="{D336F105-3C46-485D-82ED-7317FCEA2B87}" type="datetimeFigureOut">
               <a:rPr lang="ko-KR" altLang="en-US" smtClean="0"/>
-              <a:t>2019-01-08</a:t>
+              <a:t>2019-01-11</a:t>
             </a:fld>
             <a:endParaRPr lang="ko-KR" altLang="en-US"/>
           </a:p>
@@ -1171,7 +1171,7 @@
           <a:p>
             <a:fld id="{D336F105-3C46-485D-82ED-7317FCEA2B87}" type="datetimeFigureOut">
               <a:rPr lang="ko-KR" altLang="en-US" smtClean="0"/>
-              <a:t>2019-01-08</a:t>
+              <a:t>2019-01-11</a:t>
             </a:fld>
             <a:endParaRPr lang="ko-KR" altLang="en-US"/>
           </a:p>
@@ -1358,7 +1358,7 @@
           <a:p>
             <a:fld id="{D336F105-3C46-485D-82ED-7317FCEA2B87}" type="datetimeFigureOut">
               <a:rPr lang="ko-KR" altLang="en-US" smtClean="0"/>
-              <a:t>2019-01-08</a:t>
+              <a:t>2019-01-11</a:t>
             </a:fld>
             <a:endParaRPr lang="ko-KR" altLang="en-US"/>
           </a:p>
@@ -3799,164 +3799,6 @@
           </a:fontRef>
         </p:style>
       </p:cxnSp>
-      <p:sp>
-        <p:nvSpPr>
-          <p:cNvPr id="25" name="Copyright Notice"/>
-          <p:cNvSpPr>
-            <a:spLocks/>
-          </p:cNvSpPr>
-          <p:nvPr userDrawn="1"/>
-        </p:nvSpPr>
-        <p:spPr bwMode="auto">
-          <a:xfrm>
-            <a:off x="3650311" y="6704874"/>
-            <a:ext cx="1843166" cy="145089"/>
-          </a:xfrm>
-          <a:prstGeom prst="rect">
-            <a:avLst/>
-          </a:prstGeom>
-          <a:noFill/>
-          <a:extLst/>
-        </p:spPr>
-        <p:txBody>
-          <a:bodyPr wrap="none" lIns="52245" tIns="26123" rIns="52245" bIns="26123" rtlCol="0">
-            <a:spAutoFit/>
-          </a:bodyPr>
-          <a:lstStyle>
-            <a:defPPr>
-              <a:defRPr lang="en-US"/>
-            </a:defPPr>
-            <a:lvl1pPr marL="0" algn="l" defTabSz="914400" rtl="0" eaLnBrk="1" latinLnBrk="0" hangingPunct="1">
-              <a:defRPr sz="1800" kern="1200">
-                <a:solidFill>
-                  <a:schemeClr val="tx1"/>
-                </a:solidFill>
-                <a:latin typeface="+mn-lt"/>
-                <a:ea typeface="+mn-ea"/>
-                <a:cs typeface="+mn-cs"/>
-              </a:defRPr>
-            </a:lvl1pPr>
-            <a:lvl2pPr marL="457200" algn="l" defTabSz="914400" rtl="0" eaLnBrk="1" latinLnBrk="0" hangingPunct="1">
-              <a:defRPr sz="1800" kern="1200">
-                <a:solidFill>
-                  <a:schemeClr val="tx1"/>
-                </a:solidFill>
-                <a:latin typeface="+mn-lt"/>
-                <a:ea typeface="+mn-ea"/>
-                <a:cs typeface="+mn-cs"/>
-              </a:defRPr>
-            </a:lvl2pPr>
-            <a:lvl3pPr marL="914400" algn="l" defTabSz="914400" rtl="0" eaLnBrk="1" latinLnBrk="0" hangingPunct="1">
-              <a:defRPr sz="1800" kern="1200">
-                <a:solidFill>
-                  <a:schemeClr val="tx1"/>
-                </a:solidFill>
-                <a:latin typeface="+mn-lt"/>
-                <a:ea typeface="+mn-ea"/>
-                <a:cs typeface="+mn-cs"/>
-              </a:defRPr>
-            </a:lvl3pPr>
-            <a:lvl4pPr marL="1371600" algn="l" defTabSz="914400" rtl="0" eaLnBrk="1" latinLnBrk="0" hangingPunct="1">
-              <a:defRPr sz="1800" kern="1200">
-                <a:solidFill>
-                  <a:schemeClr val="tx1"/>
-                </a:solidFill>
-                <a:latin typeface="+mn-lt"/>
-                <a:ea typeface="+mn-ea"/>
-                <a:cs typeface="+mn-cs"/>
-              </a:defRPr>
-            </a:lvl4pPr>
-            <a:lvl5pPr marL="1828800" algn="l" defTabSz="914400" rtl="0" eaLnBrk="1" latinLnBrk="0" hangingPunct="1">
-              <a:defRPr sz="1800" kern="1200">
-                <a:solidFill>
-                  <a:schemeClr val="tx1"/>
-                </a:solidFill>
-                <a:latin typeface="+mn-lt"/>
-                <a:ea typeface="+mn-ea"/>
-                <a:cs typeface="+mn-cs"/>
-              </a:defRPr>
-            </a:lvl5pPr>
-            <a:lvl6pPr marL="2286000" algn="l" defTabSz="914400" rtl="0" eaLnBrk="1" latinLnBrk="0" hangingPunct="1">
-              <a:defRPr sz="1800" kern="1200">
-                <a:solidFill>
-                  <a:schemeClr val="tx1"/>
-                </a:solidFill>
-                <a:latin typeface="+mn-lt"/>
-                <a:ea typeface="+mn-ea"/>
-                <a:cs typeface="+mn-cs"/>
-              </a:defRPr>
-            </a:lvl6pPr>
-            <a:lvl7pPr marL="2743200" algn="l" defTabSz="914400" rtl="0" eaLnBrk="1" latinLnBrk="0" hangingPunct="1">
-              <a:defRPr sz="1800" kern="1200">
-                <a:solidFill>
-                  <a:schemeClr val="tx1"/>
-                </a:solidFill>
-                <a:latin typeface="+mn-lt"/>
-                <a:ea typeface="+mn-ea"/>
-                <a:cs typeface="+mn-cs"/>
-              </a:defRPr>
-            </a:lvl7pPr>
-            <a:lvl8pPr marL="3200400" algn="l" defTabSz="914400" rtl="0" eaLnBrk="1" latinLnBrk="0" hangingPunct="1">
-              <a:defRPr sz="1800" kern="1200">
-                <a:solidFill>
-                  <a:schemeClr val="tx1"/>
-                </a:solidFill>
-                <a:latin typeface="+mn-lt"/>
-                <a:ea typeface="+mn-ea"/>
-                <a:cs typeface="+mn-cs"/>
-              </a:defRPr>
-            </a:lvl8pPr>
-            <a:lvl9pPr marL="3657600" algn="l" defTabSz="914400" rtl="0" eaLnBrk="1" latinLnBrk="0" hangingPunct="1">
-              <a:defRPr sz="1800" kern="1200">
-                <a:solidFill>
-                  <a:schemeClr val="tx1"/>
-                </a:solidFill>
-                <a:latin typeface="+mn-lt"/>
-                <a:ea typeface="+mn-ea"/>
-                <a:cs typeface="+mn-cs"/>
-              </a:defRPr>
-            </a:lvl9pPr>
-          </a:lstStyle>
-          <a:p>
-            <a:r>
-              <a:rPr lang="en-US" sz="600" cap="small" dirty="0">
-                <a:solidFill>
-                  <a:schemeClr val="bg1">
-                    <a:lumMod val="50000"/>
-                  </a:schemeClr>
-                </a:solidFill>
-                <a:latin typeface="Segoe UI" panose="020B0502040204020203" pitchFamily="34" charset="0"/>
-                <a:cs typeface="Segoe UI" panose="020B0502040204020203" pitchFamily="34" charset="0"/>
-              </a:rPr>
-              <a:t>Copyright © </a:t>
-            </a:r>
-            <a:r>
-              <a:rPr lang="en-US" sz="600" cap="small" dirty="0" smtClean="0">
-                <a:solidFill>
-                  <a:schemeClr val="bg1">
-                    <a:lumMod val="50000"/>
-                  </a:schemeClr>
-                </a:solidFill>
-                <a:latin typeface="Segoe UI" panose="020B0502040204020203" pitchFamily="34" charset="0"/>
-                <a:cs typeface="Segoe UI" panose="020B0502040204020203" pitchFamily="34" charset="0"/>
-              </a:rPr>
-              <a:t>2017 SANGGONG. </a:t>
-            </a:r>
-            <a:r>
-              <a:rPr lang="en-US" sz="600" cap="small" dirty="0">
-                <a:solidFill>
-                  <a:schemeClr val="bg1">
-                    <a:lumMod val="50000"/>
-                  </a:schemeClr>
-                </a:solidFill>
-                <a:latin typeface="Segoe UI" panose="020B0502040204020203" pitchFamily="34" charset="0"/>
-                <a:cs typeface="Segoe UI" panose="020B0502040204020203" pitchFamily="34" charset="0"/>
-              </a:rPr>
-              <a:t>All rights reserved.</a:t>
-            </a:r>
-          </a:p>
-        </p:txBody>
-      </p:sp>
     </p:spTree>
     <p:extLst>
       <p:ext uri="{BB962C8B-B14F-4D97-AF65-F5344CB8AC3E}">
@@ -4187,7 +4029,7 @@
           <a:p>
             <a:fld id="{D336F105-3C46-485D-82ED-7317FCEA2B87}" type="datetimeFigureOut">
               <a:rPr lang="ko-KR" altLang="en-US" smtClean="0"/>
-              <a:t>2019-01-08</a:t>
+              <a:t>2019-01-11</a:t>
             </a:fld>
             <a:endParaRPr lang="ko-KR" altLang="en-US"/>
           </a:p>
@@ -4433,7 +4275,7 @@
           <a:p>
             <a:fld id="{D336F105-3C46-485D-82ED-7317FCEA2B87}" type="datetimeFigureOut">
               <a:rPr lang="ko-KR" altLang="en-US" smtClean="0"/>
-              <a:t>2019-01-08</a:t>
+              <a:t>2019-01-11</a:t>
             </a:fld>
             <a:endParaRPr lang="ko-KR" altLang="en-US"/>
           </a:p>
@@ -4721,7 +4563,7 @@
           <a:p>
             <a:fld id="{D336F105-3C46-485D-82ED-7317FCEA2B87}" type="datetimeFigureOut">
               <a:rPr lang="ko-KR" altLang="en-US" smtClean="0"/>
-              <a:t>2019-01-08</a:t>
+              <a:t>2019-01-11</a:t>
             </a:fld>
             <a:endParaRPr lang="ko-KR" altLang="en-US"/>
           </a:p>
@@ -5143,7 +4985,7 @@
           <a:p>
             <a:fld id="{D336F105-3C46-485D-82ED-7317FCEA2B87}" type="datetimeFigureOut">
               <a:rPr lang="ko-KR" altLang="en-US" smtClean="0"/>
-              <a:t>2019-01-08</a:t>
+              <a:t>2019-01-11</a:t>
             </a:fld>
             <a:endParaRPr lang="ko-KR" altLang="en-US"/>
           </a:p>
@@ -5261,7 +5103,7 @@
           <a:p>
             <a:fld id="{D336F105-3C46-485D-82ED-7317FCEA2B87}" type="datetimeFigureOut">
               <a:rPr lang="ko-KR" altLang="en-US" smtClean="0"/>
-              <a:t>2019-01-08</a:t>
+              <a:t>2019-01-11</a:t>
             </a:fld>
             <a:endParaRPr lang="ko-KR" altLang="en-US"/>
           </a:p>
@@ -5356,7 +5198,7 @@
           <a:p>
             <a:fld id="{D336F105-3C46-485D-82ED-7317FCEA2B87}" type="datetimeFigureOut">
               <a:rPr lang="ko-KR" altLang="en-US" smtClean="0"/>
-              <a:t>2019-01-08</a:t>
+              <a:t>2019-01-11</a:t>
             </a:fld>
             <a:endParaRPr lang="ko-KR" altLang="en-US"/>
           </a:p>
@@ -5633,7 +5475,7 @@
           <a:p>
             <a:fld id="{D336F105-3C46-485D-82ED-7317FCEA2B87}" type="datetimeFigureOut">
               <a:rPr lang="ko-KR" altLang="en-US" smtClean="0"/>
-              <a:t>2019-01-08</a:t>
+              <a:t>2019-01-11</a:t>
             </a:fld>
             <a:endParaRPr lang="ko-KR" altLang="en-US"/>
           </a:p>
@@ -5893,7 +5735,7 @@
           <a:p>
             <a:fld id="{D336F105-3C46-485D-82ED-7317FCEA2B87}" type="datetimeFigureOut">
               <a:rPr lang="ko-KR" altLang="en-US" smtClean="0"/>
-              <a:t>2019-01-08</a:t>
+              <a:t>2019-01-11</a:t>
             </a:fld>
             <a:endParaRPr lang="ko-KR" altLang="en-US"/>
           </a:p>
@@ -6113,7 +5955,7 @@
           <a:p>
             <a:fld id="{D336F105-3C46-485D-82ED-7317FCEA2B87}" type="datetimeFigureOut">
               <a:rPr lang="ko-KR" altLang="en-US" smtClean="0"/>
-              <a:t>2019-01-08</a:t>
+              <a:t>2019-01-11</a:t>
             </a:fld>
             <a:endParaRPr lang="ko-KR" altLang="en-US"/>
           </a:p>
@@ -6564,13 +6406,6 @@
               </a:rPr>
               <a:t>서브인덱스</a:t>
             </a:r>
-            <a:endParaRPr lang="ko-KR" altLang="en-US" sz="700" dirty="0">
-              <a:solidFill>
-                <a:schemeClr val="bg1"/>
-              </a:solidFill>
-              <a:latin typeface="+mn-ea"/>
-              <a:ea typeface="+mn-ea"/>
-            </a:endParaRPr>
           </a:p>
         </p:txBody>
       </p:sp>
@@ -7046,16 +6881,6 @@
               </a:rPr>
               <a:t>조회</a:t>
             </a:r>
-            <a:endParaRPr lang="ko-KR" altLang="en-US" sz="600" b="1" dirty="0">
-              <a:solidFill>
-                <a:schemeClr val="tx1">
-                  <a:lumMod val="50000"/>
-                  <a:lumOff val="50000"/>
-                </a:schemeClr>
-              </a:solidFill>
-              <a:latin typeface="+mn-ea"/>
-              <a:ea typeface="+mn-ea"/>
-            </a:endParaRPr>
           </a:p>
         </p:txBody>
       </p:sp>
@@ -9310,16 +9135,6 @@
               </a:rPr>
               <a:t>조회</a:t>
             </a:r>
-            <a:endParaRPr lang="ko-KR" altLang="en-US" sz="600" b="1" dirty="0">
-              <a:solidFill>
-                <a:schemeClr val="tx1">
-                  <a:lumMod val="50000"/>
-                  <a:lumOff val="50000"/>
-                </a:schemeClr>
-              </a:solidFill>
-              <a:latin typeface="+mn-ea"/>
-              <a:ea typeface="+mn-ea"/>
-            </a:endParaRPr>
           </a:p>
         </p:txBody>
       </p:sp>
@@ -12476,15 +12291,6 @@
               </a:rPr>
               <a:t>2015-08-20</a:t>
             </a:r>
-            <a:endParaRPr lang="en-US" altLang="ko-KR" sz="600" dirty="0">
-              <a:solidFill>
-                <a:schemeClr val="bg1">
-                  <a:lumMod val="50000"/>
-                </a:schemeClr>
-              </a:solidFill>
-              <a:latin typeface="+mn-ea"/>
-              <a:cs typeface="Segoe UI" panose="020B0502040204020203" pitchFamily="34" charset="0"/>
-            </a:endParaRPr>
           </a:p>
         </p:txBody>
       </p:sp>
@@ -12867,15 +12673,6 @@
               </a:rPr>
               <a:t>주문내역조회</a:t>
             </a:r>
-            <a:endParaRPr lang="ko-KR" altLang="en-US" sz="500" u="sng" dirty="0">
-              <a:solidFill>
-                <a:schemeClr val="bg2">
-                  <a:lumMod val="50000"/>
-                </a:schemeClr>
-              </a:solidFill>
-              <a:latin typeface="+mn-ea"/>
-              <a:cs typeface="Segoe UI" panose="020B0502040204020203" pitchFamily="34" charset="0"/>
-            </a:endParaRPr>
           </a:p>
         </p:txBody>
       </p:sp>
@@ -16663,9 +16460,6 @@
               </a:rPr>
               <a:t>일자변경</a:t>
             </a:r>
-            <a:endParaRPr lang="ko-KR" altLang="en-US" sz="900" b="1" dirty="0">
-              <a:latin typeface="+mn-ea"/>
-            </a:endParaRPr>
           </a:p>
         </p:txBody>
       </p:sp>
@@ -16891,16 +16685,6 @@
               </a:rPr>
               <a:t>가입</a:t>
             </a:r>
-            <a:endParaRPr lang="ko-KR" altLang="en-US" sz="600" b="1" dirty="0">
-              <a:solidFill>
-                <a:schemeClr val="tx1">
-                  <a:lumMod val="50000"/>
-                  <a:lumOff val="50000"/>
-                </a:schemeClr>
-              </a:solidFill>
-              <a:latin typeface="+mn-ea"/>
-              <a:ea typeface="+mn-ea"/>
-            </a:endParaRPr>
           </a:p>
         </p:txBody>
       </p:sp>
@@ -17777,15 +17561,6 @@
               </a:rPr>
               <a:t>2015-08-20</a:t>
             </a:r>
-            <a:endParaRPr lang="en-US" altLang="ko-KR" sz="600" dirty="0">
-              <a:solidFill>
-                <a:schemeClr val="bg1">
-                  <a:lumMod val="50000"/>
-                </a:schemeClr>
-              </a:solidFill>
-              <a:latin typeface="+mn-ea"/>
-              <a:cs typeface="Segoe UI" panose="020B0502040204020203" pitchFamily="34" charset="0"/>
-            </a:endParaRPr>
           </a:p>
         </p:txBody>
       </p:sp>
@@ -19951,15 +19726,6 @@
               </a:rPr>
               <a:t>회원정보 수정</a:t>
             </a:r>
-            <a:endParaRPr lang="ko-KR" altLang="en-US" sz="500" u="sng" dirty="0">
-              <a:solidFill>
-                <a:schemeClr val="bg2">
-                  <a:lumMod val="50000"/>
-                </a:schemeClr>
-              </a:solidFill>
-              <a:latin typeface="+mn-ea"/>
-              <a:cs typeface="Segoe UI" panose="020B0502040204020203" pitchFamily="34" charset="0"/>
-            </a:endParaRPr>
           </a:p>
         </p:txBody>
       </p:sp>
@@ -23318,74 +23084,6 @@
           </a:extLst>
         </p:spPr>
       </p:pic>
-      <p:sp>
-        <p:nvSpPr>
-          <p:cNvPr id="39" name="모서리가 둥근 사각형 설명선 38"/>
-          <p:cNvSpPr/>
-          <p:nvPr/>
-        </p:nvSpPr>
-        <p:spPr>
-          <a:xfrm>
-            <a:off x="8962807" y="1655983"/>
-            <a:ext cx="2088232" cy="1237603"/>
-          </a:xfrm>
-          <a:prstGeom prst="wedgeRoundRectCallout">
-            <a:avLst>
-              <a:gd name="adj1" fmla="val -74512"/>
-              <a:gd name="adj2" fmla="val -2060"/>
-              <a:gd name="adj3" fmla="val 16667"/>
-            </a:avLst>
-          </a:prstGeom>
-        </p:spPr>
-        <p:style>
-          <a:lnRef idx="2">
-            <a:schemeClr val="accent1">
-              <a:shade val="50000"/>
-            </a:schemeClr>
-          </a:lnRef>
-          <a:fillRef idx="1">
-            <a:schemeClr val="accent1"/>
-          </a:fillRef>
-          <a:effectRef idx="0">
-            <a:schemeClr val="accent1"/>
-          </a:effectRef>
-          <a:fontRef idx="minor">
-            <a:schemeClr val="lt1"/>
-          </a:fontRef>
-        </p:style>
-        <p:txBody>
-          <a:bodyPr rtlCol="0" anchor="ctr"/>
-          <a:lstStyle/>
-          <a:p>
-            <a:pPr algn="ctr"/>
-            <a:r>
-              <a:rPr lang="ko-KR" altLang="en-US" sz="1400" dirty="0" err="1" smtClean="0"/>
-              <a:t>이메일</a:t>
-            </a:r>
-            <a:r>
-              <a:rPr lang="en-US" altLang="ko-KR" sz="1400" dirty="0" smtClean="0"/>
-              <a:t>, </a:t>
-            </a:r>
-            <a:r>
-              <a:rPr lang="ko-KR" altLang="en-US" sz="1400" dirty="0" smtClean="0"/>
-              <a:t>비밀번호를 입력하지 않고 로그인 버튼 </a:t>
-            </a:r>
-            <a:r>
-              <a:rPr lang="ko-KR" altLang="en-US" sz="1400" dirty="0" err="1" smtClean="0"/>
-              <a:t>클릭시</a:t>
-            </a:r>
-            <a:endParaRPr lang="en-US" altLang="ko-KR" sz="1400" dirty="0"/>
-          </a:p>
-          <a:p>
-            <a:pPr algn="ctr"/>
-            <a:r>
-              <a:rPr lang="ko-KR" altLang="en-US" sz="1400" dirty="0" smtClean="0"/>
-              <a:t>로그인 페이지로 이동</a:t>
-            </a:r>
-            <a:endParaRPr lang="ko-KR" altLang="en-US" sz="1400" dirty="0"/>
-          </a:p>
-        </p:txBody>
-      </p:sp>
     </p:spTree>
     <p:extLst>
       <p:ext uri="{BB962C8B-B14F-4D97-AF65-F5344CB8AC3E}">
@@ -24812,7 +24510,6 @@
                 <a:rPr lang="ko-KR" altLang="en-US" sz="600" b="1" dirty="0"/>
                 <a:t>비밀번호</a:t>
               </a:r>
-              <a:endParaRPr lang="ko-KR" altLang="en-US" sz="600" b="1" dirty="0"/>
             </a:p>
           </p:txBody>
         </p:sp>
@@ -25396,7 +25093,6 @@
               <a:rPr lang="ko-KR" altLang="en-US" sz="600" dirty="0"/>
               <a:t>저장</a:t>
             </a:r>
-            <a:endParaRPr lang="ko-KR" altLang="en-US" sz="600" dirty="0"/>
           </a:p>
         </p:txBody>
       </p:sp>
@@ -25785,6 +25481,82 @@
             <a:endParaRPr lang="ko-KR" altLang="en-US" sz="1400" b="1" dirty="0">
               <a:latin typeface="+mn-ea"/>
             </a:endParaRPr>
+          </a:p>
+        </p:txBody>
+      </p:sp>
+      <p:sp>
+        <p:nvSpPr>
+          <p:cNvPr id="5" name="모서리가 둥근 직사각형 4"/>
+          <p:cNvSpPr/>
+          <p:nvPr/>
+        </p:nvSpPr>
+        <p:spPr>
+          <a:xfrm>
+            <a:off x="6588224" y="2725206"/>
+            <a:ext cx="2926592" cy="1041522"/>
+          </a:xfrm>
+          <a:prstGeom prst="roundRect">
+            <a:avLst/>
+          </a:prstGeom>
+        </p:spPr>
+        <p:style>
+          <a:lnRef idx="2">
+            <a:schemeClr val="accent1">
+              <a:shade val="50000"/>
+            </a:schemeClr>
+          </a:lnRef>
+          <a:fillRef idx="1">
+            <a:schemeClr val="accent1"/>
+          </a:fillRef>
+          <a:effectRef idx="0">
+            <a:schemeClr val="accent1"/>
+          </a:effectRef>
+          <a:fontRef idx="minor">
+            <a:schemeClr val="lt1"/>
+          </a:fontRef>
+        </p:style>
+        <p:txBody>
+          <a:bodyPr rtlCol="0" anchor="ctr"/>
+          <a:lstStyle/>
+          <a:p>
+            <a:pPr algn="ctr"/>
+            <a:r>
+              <a:rPr lang="ko-KR" altLang="en-US" dirty="0" err="1"/>
+              <a:t>예매시</a:t>
+            </a:r>
+            <a:r>
+              <a:rPr lang="ko-KR" altLang="en-US" dirty="0"/>
+              <a:t> </a:t>
+            </a:r>
+            <a:endParaRPr lang="en-US" altLang="ko-KR" dirty="0" smtClean="0"/>
+          </a:p>
+          <a:p>
+            <a:pPr algn="ctr"/>
+            <a:r>
+              <a:rPr lang="ko-KR" altLang="en-US" dirty="0" err="1" smtClean="0"/>
+              <a:t>로그인이</a:t>
+            </a:r>
+            <a:r>
+              <a:rPr lang="ko-KR" altLang="en-US" dirty="0" smtClean="0"/>
+              <a:t> </a:t>
+            </a:r>
+            <a:r>
+              <a:rPr lang="ko-KR" altLang="en-US" dirty="0"/>
+              <a:t>안돼있으면</a:t>
+            </a:r>
+            <a:endParaRPr lang="en-US" altLang="ko-KR" dirty="0"/>
+          </a:p>
+          <a:p>
+            <a:pPr algn="ctr"/>
+            <a:r>
+              <a:rPr lang="ko-KR" altLang="en-US" dirty="0"/>
+              <a:t>로그인 페이지로 </a:t>
+            </a:r>
+            <a:r>
+              <a:rPr lang="ko-KR" altLang="en-US" dirty="0" smtClean="0"/>
+              <a:t>이동</a:t>
+            </a:r>
+            <a:endParaRPr lang="ko-KR" altLang="en-US" dirty="0"/>
           </a:p>
         </p:txBody>
       </p:sp>
@@ -28545,9 +28317,6 @@
               </a:rPr>
               <a:t>회원가입</a:t>
             </a:r>
-            <a:endParaRPr lang="ko-KR" altLang="en-US" sz="1400" b="1" dirty="0">
-              <a:latin typeface="+mn-ea"/>
-            </a:endParaRPr>
           </a:p>
         </p:txBody>
       </p:sp>
@@ -29173,16 +28942,6 @@
               </a:rPr>
               <a:t>로그인</a:t>
             </a:r>
-            <a:endParaRPr lang="ko-KR" altLang="en-US" sz="600" b="1" dirty="0">
-              <a:solidFill>
-                <a:schemeClr val="tx1">
-                  <a:lumMod val="50000"/>
-                  <a:lumOff val="50000"/>
-                </a:schemeClr>
-              </a:solidFill>
-              <a:latin typeface="+mn-ea"/>
-              <a:ea typeface="+mn-ea"/>
-            </a:endParaRPr>
           </a:p>
         </p:txBody>
       </p:sp>
@@ -30104,15 +29863,6 @@
               </a:rPr>
               <a:t>2015-08-20</a:t>
             </a:r>
-            <a:endParaRPr lang="en-US" altLang="ko-KR" sz="600" dirty="0">
-              <a:solidFill>
-                <a:schemeClr val="bg1">
-                  <a:lumMod val="50000"/>
-                </a:schemeClr>
-              </a:solidFill>
-              <a:latin typeface="+mn-ea"/>
-              <a:cs typeface="Segoe UI" panose="020B0502040204020203" pitchFamily="34" charset="0"/>
-            </a:endParaRPr>
           </a:p>
         </p:txBody>
       </p:sp>
@@ -30308,7 +30058,6 @@
               <a:rPr lang="en-US" altLang="ko-KR" sz="600" dirty="0"/>
               <a:t>.</a:t>
             </a:r>
-            <a:endParaRPr lang="en-US" altLang="ko-KR" sz="600" dirty="0"/>
           </a:p>
         </p:txBody>
       </p:sp>
@@ -30522,7 +30271,7 @@
             <a:p>
               <a:r>
                 <a:rPr lang="ko-KR" altLang="en-US" sz="600" b="1" dirty="0" smtClean="0"/>
-                <a:t>핸드폰번호</a:t>
+                <a:t>휴대폰번호</a:t>
               </a:r>
               <a:endParaRPr lang="ko-KR" altLang="en-US" sz="600" b="1" dirty="0"/>
             </a:p>
@@ -31041,7 +30790,7 @@
         </p:nvSpPr>
         <p:spPr>
           <a:xfrm>
-            <a:off x="2506500" y="1570310"/>
+            <a:off x="2756654" y="1570310"/>
             <a:ext cx="1171316" cy="204443"/>
           </a:xfrm>
           <a:prstGeom prst="rect">
@@ -31118,15 +30867,6 @@
               </a:rPr>
               <a:t>찾기</a:t>
             </a:r>
-            <a:endParaRPr lang="ko-KR" altLang="en-US" sz="600" dirty="0">
-              <a:solidFill>
-                <a:schemeClr val="tx1">
-                  <a:lumMod val="50000"/>
-                  <a:lumOff val="50000"/>
-                </a:schemeClr>
-              </a:solidFill>
-              <a:latin typeface="+mn-ea"/>
-            </a:endParaRPr>
           </a:p>
         </p:txBody>
       </p:sp>
@@ -31138,7 +30878,7 @@
         </p:nvSpPr>
         <p:spPr>
           <a:xfrm>
-            <a:off x="3676716" y="1570310"/>
+            <a:off x="3926870" y="1570310"/>
             <a:ext cx="1171316" cy="204443"/>
           </a:xfrm>
           <a:prstGeom prst="rect">
@@ -31191,15 +30931,6 @@
               </a:rPr>
               <a:t>찾기</a:t>
             </a:r>
-            <a:endParaRPr lang="ko-KR" altLang="en-US" sz="600" dirty="0">
-              <a:solidFill>
-                <a:schemeClr val="tx1">
-                  <a:lumMod val="50000"/>
-                  <a:lumOff val="50000"/>
-                </a:schemeClr>
-              </a:solidFill>
-              <a:latin typeface="+mn-ea"/>
-            </a:endParaRPr>
           </a:p>
         </p:txBody>
       </p:sp>
@@ -31253,7 +30984,6 @@
               <a:rPr lang="en-US" altLang="ko-KR" sz="600" dirty="0"/>
               <a:t>.</a:t>
             </a:r>
-            <a:endParaRPr lang="en-US" altLang="ko-KR" sz="600" dirty="0"/>
           </a:p>
         </p:txBody>
       </p:sp>
@@ -31966,7 +31696,7 @@
         </p:nvSpPr>
         <p:spPr>
           <a:xfrm>
-            <a:off x="2506500" y="3754905"/>
+            <a:off x="2756654" y="3754905"/>
             <a:ext cx="1171316" cy="204443"/>
           </a:xfrm>
           <a:prstGeom prst="rect">
@@ -32031,15 +31761,6 @@
               </a:rPr>
               <a:t>찾기</a:t>
             </a:r>
-            <a:endParaRPr lang="ko-KR" altLang="en-US" sz="600" dirty="0">
-              <a:solidFill>
-                <a:schemeClr val="tx1">
-                  <a:lumMod val="50000"/>
-                  <a:lumOff val="50000"/>
-                </a:schemeClr>
-              </a:solidFill>
-              <a:latin typeface="+mn-ea"/>
-            </a:endParaRPr>
           </a:p>
         </p:txBody>
       </p:sp>
@@ -32051,7 +31772,7 @@
         </p:nvSpPr>
         <p:spPr>
           <a:xfrm>
-            <a:off x="3676716" y="3754905"/>
+            <a:off x="3926870" y="3754905"/>
             <a:ext cx="1171316" cy="204443"/>
           </a:xfrm>
           <a:prstGeom prst="rect">
@@ -32101,15 +31822,6 @@
               </a:rPr>
               <a:t>찾기</a:t>
             </a:r>
-            <a:endParaRPr lang="ko-KR" altLang="en-US" sz="600" dirty="0">
-              <a:solidFill>
-                <a:schemeClr val="tx1">
-                  <a:lumMod val="50000"/>
-                  <a:lumOff val="50000"/>
-                </a:schemeClr>
-              </a:solidFill>
-              <a:latin typeface="+mn-ea"/>
-            </a:endParaRPr>
           </a:p>
         </p:txBody>
       </p:sp>
@@ -32226,16 +31938,6 @@
               </a:rPr>
               <a:t>로그인</a:t>
             </a:r>
-            <a:endParaRPr lang="ko-KR" altLang="en-US" sz="600" b="1" dirty="0">
-              <a:solidFill>
-                <a:schemeClr val="tx1">
-                  <a:lumMod val="50000"/>
-                  <a:lumOff val="50000"/>
-                </a:schemeClr>
-              </a:solidFill>
-              <a:latin typeface="+mn-ea"/>
-              <a:ea typeface="+mn-ea"/>
-            </a:endParaRPr>
           </a:p>
         </p:txBody>
       </p:sp>
@@ -33124,15 +32826,6 @@
               </a:rPr>
               <a:t>2015-08-20</a:t>
             </a:r>
-            <a:endParaRPr lang="en-US" altLang="ko-KR" sz="600" dirty="0">
-              <a:solidFill>
-                <a:schemeClr val="bg1">
-                  <a:lumMod val="50000"/>
-                </a:schemeClr>
-              </a:solidFill>
-              <a:latin typeface="+mn-ea"/>
-              <a:cs typeface="Segoe UI" panose="020B0502040204020203" pitchFamily="34" charset="0"/>
-            </a:endParaRPr>
           </a:p>
         </p:txBody>
       </p:sp>
@@ -33325,13 +33018,7 @@
                 <a:rPr lang="ko-KR" altLang="en-US" b="1" dirty="0" smtClean="0">
                   <a:latin typeface="+mn-ea"/>
                 </a:rPr>
-                <a:t>회원 탈퇴를 하시면 </a:t>
-              </a:r>
-              <a:r>
-                <a:rPr lang="ko-KR" altLang="en-US" b="1" dirty="0" smtClean="0">
-                  <a:latin typeface="+mn-ea"/>
-                </a:rPr>
-                <a:t>회원정보가 모두 삭제됩니다</a:t>
+                <a:t>회원 탈퇴를 하시면 회원정보가 모두 삭제됩니다</a:t>
               </a:r>
               <a:endParaRPr lang="en-US" altLang="ko-KR" b="1" dirty="0">
                 <a:latin typeface="+mn-ea"/>
@@ -33396,7 +33083,6 @@
                 <a:rPr lang="en-US" altLang="ko-KR" sz="600" dirty="0"/>
                 <a:t>.</a:t>
               </a:r>
-              <a:endParaRPr lang="en-US" altLang="ko-KR" sz="600" dirty="0"/>
             </a:p>
           </p:txBody>
         </p:sp>
@@ -33613,7 +33299,6 @@
                 <a:rPr lang="ko-KR" altLang="en-US" sz="600" b="1" dirty="0"/>
                 <a:t>비밀번호</a:t>
               </a:r>
-              <a:endParaRPr lang="ko-KR" altLang="en-US" sz="600" b="1" dirty="0"/>
             </a:p>
           </p:txBody>
         </p:sp>
@@ -34247,13 +33932,6 @@
               </a:rPr>
               <a:t>서브인덱스</a:t>
             </a:r>
-            <a:endParaRPr lang="ko-KR" altLang="en-US" sz="700" dirty="0">
-              <a:solidFill>
-                <a:schemeClr val="bg1"/>
-              </a:solidFill>
-              <a:latin typeface="+mn-ea"/>
-              <a:ea typeface="+mn-ea"/>
-            </a:endParaRPr>
           </a:p>
         </p:txBody>
       </p:sp>
@@ -34674,16 +34352,6 @@
               </a:rPr>
               <a:t>조회</a:t>
             </a:r>
-            <a:endParaRPr lang="ko-KR" altLang="en-US" sz="600" b="1" dirty="0">
-              <a:solidFill>
-                <a:schemeClr val="tx1">
-                  <a:lumMod val="50000"/>
-                  <a:lumOff val="50000"/>
-                </a:schemeClr>
-              </a:solidFill>
-              <a:latin typeface="+mn-ea"/>
-              <a:ea typeface="+mn-ea"/>
-            </a:endParaRPr>
           </a:p>
         </p:txBody>
       </p:sp>
